--- a/Módulo II/probabilidad/variables-aleatorias-discretas.pptx
+++ b/Módulo II/probabilidad/variables-aleatorias-discretas.pptx
@@ -21,6 +21,9 @@
     <p:sldId id="269" r:id="rId15"/>
     <p:sldId id="270" r:id="rId16"/>
     <p:sldId id="271" r:id="rId17"/>
+    <p:sldId id="272" r:id="rId18"/>
+    <p:sldId id="273" r:id="rId19"/>
+    <p:sldId id="274" r:id="rId20"/>
   </p:sldIdLst>
   <p:sldSz cx="9144000" cy="6858000" type="screen4x3"/>
   <p:notesSz cx="6858000" cy="9144000"/>
@@ -3425,7 +3428,7 @@
               <a:rPr>
                 <a:latin typeface="Courier"/>
               </a:rPr>
-              <a:t>(</a:t>
+              <a:t>(tabla, </a:t>
             </a:r>
             <a:r>
               <a:rPr>
@@ -3742,7 +3745,7 @@
               <a:rPr>
                 <a:latin typeface="Courier"/>
               </a:rPr>
-              <a:t>(x, tipo) {</a:t>
+              <a:t>(tabla, x, tipo) {</a:t>
             </a:r>
             <a:br/>
             <a:r>
@@ -4993,6 +4996,21 @@
                     <a:latin typeface="Courier"/>
                   </a:rPr>
                   <a:t>(</a:t>
+                </a:r>
+                <a:r>
+                  <a:rPr>
+                    <a:solidFill>
+                      <a:srgbClr val="7D9029"/>
+                    </a:solidFill>
+                    <a:latin typeface="Courier"/>
+                  </a:rPr>
+                  <a:t>tabla =</a:t>
+                </a:r>
+                <a:r>
+                  <a:rPr>
+                    <a:latin typeface="Courier"/>
+                  </a:rPr>
+                  <a:t> tabla, </a:t>
                 </a:r>
                 <a:r>
                   <a:rPr>
@@ -5375,6 +5393,21 @@
                 <a:r>
                   <a:rPr>
                     <a:solidFill>
+                      <a:srgbClr val="7D9029"/>
+                    </a:solidFill>
+                    <a:latin typeface="Courier"/>
+                  </a:rPr>
+                  <a:t>tabla =</a:t>
+                </a:r>
+                <a:r>
+                  <a:rPr>
+                    <a:latin typeface="Courier"/>
+                  </a:rPr>
+                  <a:t> tabla, </a:t>
+                </a:r>
+                <a:r>
+                  <a:rPr>
+                    <a:solidFill>
                       <a:srgbClr val="40A070"/>
                     </a:solidFill>
                     <a:latin typeface="Courier"/>
@@ -5766,7 +5799,7 @@
                   <a:rPr>
                     <a:latin typeface="Courier"/>
                   </a:rPr>
-                  <a:t>(</a:t>
+                  <a:t>(tabla, </a:t>
                 </a:r>
                 <a:r>
                   <a:rPr>
@@ -6145,7 +6178,7 @@
                   <a:rPr>
                     <a:latin typeface="Courier"/>
                   </a:rPr>
-                  <a:t>(</a:t>
+                  <a:t>(tabla, </a:t>
                 </a:r>
                 <a:r>
                   <a:rPr>
@@ -6193,6 +6226,801 @@
           </p:sp>
         </mc:Choice>
       </mc:AlternateContent>
+    </p:spTree>
+  </p:cSld>
+</p:sld>
+</file>
+
+<file path=ppt/slides/slide17.xml><?xml version="1.0" encoding="utf-8"?>
+<p:sld xmlns:a="http://schemas.openxmlformats.org/drawingml/2006/main" xmlns:r="http://schemas.openxmlformats.org/officeDocument/2006/relationships" xmlns:p="http://schemas.openxmlformats.org/presentationml/2006/main">
+  <p:cSld>
+    <p:spTree>
+      <p:nvGrpSpPr>
+        <p:cNvPr id="1" name=""/>
+        <p:cNvGrpSpPr/>
+        <p:nvPr/>
+      </p:nvGrpSpPr>
+      <p:grpSpPr>
+        <a:xfrm>
+          <a:off x="0" y="0"/>
+          <a:ext cx="0" cy="0"/>
+          <a:chOff x="0" y="0"/>
+          <a:chExt cx="0" cy="0"/>
+        </a:xfrm>
+      </p:grpSpPr>
+      <p:sp>
+        <p:nvSpPr>
+          <p:cNvPr id="2" name="Title 1"/>
+          <p:cNvSpPr>
+            <a:spLocks noGrp="1"/>
+          </p:cNvSpPr>
+          <p:nvPr>
+            <p:ph type="title"/>
+          </p:nvPr>
+        </p:nvSpPr>
+        <p:spPr/>
+        <p:txBody>
+          <a:bodyPr/>
+          <a:lstStyle/>
+          <a:p>
+            <a:pPr lvl="0" marL="0" indent="0">
+              <a:buNone/>
+            </a:pPr>
+            <a:r>
+              <a:rPr/>
+              <a:t>Crear</a:t>
+            </a:r>
+            <a:r>
+              <a:rPr/>
+              <a:t> </a:t>
+            </a:r>
+            <a:r>
+              <a:rPr/>
+              <a:t>otra</a:t>
+            </a:r>
+            <a:r>
+              <a:rPr/>
+              <a:t> </a:t>
+            </a:r>
+            <a:r>
+              <a:rPr/>
+              <a:t>tabla</a:t>
+            </a:r>
+            <a:r>
+              <a:rPr/>
+              <a:t> </a:t>
+            </a:r>
+            <a:r>
+              <a:rPr/>
+              <a:t>de</a:t>
+            </a:r>
+            <a:r>
+              <a:rPr/>
+              <a:t> </a:t>
+            </a:r>
+            <a:r>
+              <a:rPr/>
+              <a:t>distribución</a:t>
+            </a:r>
+          </a:p>
+        </p:txBody>
+      </p:sp>
+      <p:sp>
+        <p:nvSpPr>
+          <p:cNvPr id="3" name="Content Placeholder 2"/>
+          <p:cNvSpPr>
+            <a:spLocks noGrp="1"/>
+          </p:cNvSpPr>
+          <p:nvPr>
+            <p:ph idx="1"/>
+          </p:nvPr>
+        </p:nvSpPr>
+        <p:spPr/>
+        <p:txBody>
+          <a:bodyPr/>
+          <a:lstStyle/>
+          <a:p>
+            <a:pPr lvl="0" indent="0">
+              <a:buNone/>
+            </a:pPr>
+            <a:r>
+              <a:rPr>
+                <a:latin typeface="Courier"/>
+              </a:rPr>
+              <a:t>tabla2 </a:t>
+            </a:r>
+            <a:r>
+              <a:rPr>
+                <a:solidFill>
+                  <a:srgbClr val="007020"/>
+                </a:solidFill>
+                <a:latin typeface="Courier"/>
+              </a:rPr>
+              <a:t>&lt;-</a:t>
+            </a:r>
+            <a:r>
+              <a:rPr>
+                <a:latin typeface="Courier"/>
+              </a:rPr>
+              <a:t> </a:t>
+            </a:r>
+            <a:r>
+              <a:rPr>
+                <a:solidFill>
+                  <a:srgbClr val="06287E"/>
+                </a:solidFill>
+                <a:latin typeface="Courier"/>
+              </a:rPr>
+              <a:t>data.frame</a:t>
+            </a:r>
+            <a:r>
+              <a:rPr>
+                <a:latin typeface="Courier"/>
+              </a:rPr>
+              <a:t>(</a:t>
+            </a:r>
+            <a:r>
+              <a:rPr>
+                <a:solidFill>
+                  <a:srgbClr val="7D9029"/>
+                </a:solidFill>
+                <a:latin typeface="Courier"/>
+              </a:rPr>
+              <a:t>x =</a:t>
+            </a:r>
+            <a:r>
+              <a:rPr>
+                <a:latin typeface="Courier"/>
+              </a:rPr>
+              <a:t> </a:t>
+            </a:r>
+            <a:r>
+              <a:rPr>
+                <a:solidFill>
+                  <a:srgbClr val="40A070"/>
+                </a:solidFill>
+                <a:latin typeface="Courier"/>
+              </a:rPr>
+              <a:t>0</a:t>
+            </a:r>
+            <a:r>
+              <a:rPr>
+                <a:solidFill>
+                  <a:srgbClr val="4070A0"/>
+                </a:solidFill>
+                <a:latin typeface="Courier"/>
+              </a:rPr>
+              <a:t>:</a:t>
+            </a:r>
+            <a:r>
+              <a:rPr>
+                <a:solidFill>
+                  <a:srgbClr val="40A070"/>
+                </a:solidFill>
+                <a:latin typeface="Courier"/>
+              </a:rPr>
+              <a:t>6</a:t>
+            </a:r>
+            <a:r>
+              <a:rPr>
+                <a:latin typeface="Courier"/>
+              </a:rPr>
+              <a:t>, </a:t>
+            </a:r>
+            <a:r>
+              <a:rPr>
+                <a:solidFill>
+                  <a:srgbClr val="7D9029"/>
+                </a:solidFill>
+                <a:latin typeface="Courier"/>
+              </a:rPr>
+              <a:t>prob.x =</a:t>
+            </a:r>
+            <a:r>
+              <a:rPr>
+                <a:latin typeface="Courier"/>
+              </a:rPr>
+              <a:t> </a:t>
+            </a:r>
+            <a:r>
+              <a:rPr>
+                <a:solidFill>
+                  <a:srgbClr val="06287E"/>
+                </a:solidFill>
+                <a:latin typeface="Courier"/>
+              </a:rPr>
+              <a:t>c</a:t>
+            </a:r>
+            <a:r>
+              <a:rPr>
+                <a:latin typeface="Courier"/>
+              </a:rPr>
+              <a:t>(</a:t>
+            </a:r>
+            <a:r>
+              <a:rPr>
+                <a:solidFill>
+                  <a:srgbClr val="40A070"/>
+                </a:solidFill>
+                <a:latin typeface="Courier"/>
+              </a:rPr>
+              <a:t>0.10</a:t>
+            </a:r>
+            <a:r>
+              <a:rPr>
+                <a:latin typeface="Courier"/>
+              </a:rPr>
+              <a:t>, </a:t>
+            </a:r>
+            <a:r>
+              <a:rPr>
+                <a:solidFill>
+                  <a:srgbClr val="40A070"/>
+                </a:solidFill>
+                <a:latin typeface="Courier"/>
+              </a:rPr>
+              <a:t>0.20</a:t>
+            </a:r>
+            <a:r>
+              <a:rPr>
+                <a:latin typeface="Courier"/>
+              </a:rPr>
+              <a:t>, </a:t>
+            </a:r>
+            <a:r>
+              <a:rPr>
+                <a:solidFill>
+                  <a:srgbClr val="40A070"/>
+                </a:solidFill>
+                <a:latin typeface="Courier"/>
+              </a:rPr>
+              <a:t>0.30</a:t>
+            </a:r>
+            <a:r>
+              <a:rPr>
+                <a:latin typeface="Courier"/>
+              </a:rPr>
+              <a:t>, </a:t>
+            </a:r>
+            <a:r>
+              <a:rPr>
+                <a:solidFill>
+                  <a:srgbClr val="40A070"/>
+                </a:solidFill>
+                <a:latin typeface="Courier"/>
+              </a:rPr>
+              <a:t>0.25</a:t>
+            </a:r>
+            <a:r>
+              <a:rPr>
+                <a:latin typeface="Courier"/>
+              </a:rPr>
+              <a:t>, </a:t>
+            </a:r>
+            <a:r>
+              <a:rPr>
+                <a:solidFill>
+                  <a:srgbClr val="40A070"/>
+                </a:solidFill>
+                <a:latin typeface="Courier"/>
+              </a:rPr>
+              <a:t>0.10</a:t>
+            </a:r>
+            <a:r>
+              <a:rPr>
+                <a:latin typeface="Courier"/>
+              </a:rPr>
+              <a:t>, </a:t>
+            </a:r>
+            <a:r>
+              <a:rPr>
+                <a:solidFill>
+                  <a:srgbClr val="40A070"/>
+                </a:solidFill>
+                <a:latin typeface="Courier"/>
+              </a:rPr>
+              <a:t>0.03</a:t>
+            </a:r>
+            <a:r>
+              <a:rPr>
+                <a:latin typeface="Courier"/>
+              </a:rPr>
+              <a:t>, </a:t>
+            </a:r>
+            <a:r>
+              <a:rPr>
+                <a:solidFill>
+                  <a:srgbClr val="40A070"/>
+                </a:solidFill>
+                <a:latin typeface="Courier"/>
+              </a:rPr>
+              <a:t>0.02</a:t>
+            </a:r>
+            <a:r>
+              <a:rPr>
+                <a:latin typeface="Courier"/>
+              </a:rPr>
+              <a:t>), </a:t>
+            </a:r>
+            <a:r>
+              <a:rPr>
+                <a:solidFill>
+                  <a:srgbClr val="7D9029"/>
+                </a:solidFill>
+                <a:latin typeface="Courier"/>
+              </a:rPr>
+              <a:t>prob.acum.x =</a:t>
+            </a:r>
+            <a:r>
+              <a:rPr>
+                <a:latin typeface="Courier"/>
+              </a:rPr>
+              <a:t> </a:t>
+            </a:r>
+            <a:r>
+              <a:rPr>
+                <a:solidFill>
+                  <a:srgbClr val="06287E"/>
+                </a:solidFill>
+                <a:latin typeface="Courier"/>
+              </a:rPr>
+              <a:t>cumsum</a:t>
+            </a:r>
+            <a:r>
+              <a:rPr>
+                <a:latin typeface="Courier"/>
+              </a:rPr>
+              <a:t>(</a:t>
+            </a:r>
+            <a:r>
+              <a:rPr>
+                <a:solidFill>
+                  <a:srgbClr val="06287E"/>
+                </a:solidFill>
+                <a:latin typeface="Courier"/>
+              </a:rPr>
+              <a:t>c</a:t>
+            </a:r>
+            <a:r>
+              <a:rPr>
+                <a:latin typeface="Courier"/>
+              </a:rPr>
+              <a:t>(</a:t>
+            </a:r>
+            <a:r>
+              <a:rPr>
+                <a:solidFill>
+                  <a:srgbClr val="40A070"/>
+                </a:solidFill>
+                <a:latin typeface="Courier"/>
+              </a:rPr>
+              <a:t>0.10</a:t>
+            </a:r>
+            <a:r>
+              <a:rPr>
+                <a:latin typeface="Courier"/>
+              </a:rPr>
+              <a:t>, </a:t>
+            </a:r>
+            <a:r>
+              <a:rPr>
+                <a:solidFill>
+                  <a:srgbClr val="40A070"/>
+                </a:solidFill>
+                <a:latin typeface="Courier"/>
+              </a:rPr>
+              <a:t>0.20</a:t>
+            </a:r>
+            <a:r>
+              <a:rPr>
+                <a:latin typeface="Courier"/>
+              </a:rPr>
+              <a:t>, </a:t>
+            </a:r>
+            <a:r>
+              <a:rPr>
+                <a:solidFill>
+                  <a:srgbClr val="40A070"/>
+                </a:solidFill>
+                <a:latin typeface="Courier"/>
+              </a:rPr>
+              <a:t>0.30</a:t>
+            </a:r>
+            <a:r>
+              <a:rPr>
+                <a:latin typeface="Courier"/>
+              </a:rPr>
+              <a:t>, </a:t>
+            </a:r>
+            <a:r>
+              <a:rPr>
+                <a:solidFill>
+                  <a:srgbClr val="40A070"/>
+                </a:solidFill>
+                <a:latin typeface="Courier"/>
+              </a:rPr>
+              <a:t>0.25</a:t>
+            </a:r>
+            <a:r>
+              <a:rPr>
+                <a:latin typeface="Courier"/>
+              </a:rPr>
+              <a:t>, </a:t>
+            </a:r>
+            <a:r>
+              <a:rPr>
+                <a:solidFill>
+                  <a:srgbClr val="40A070"/>
+                </a:solidFill>
+                <a:latin typeface="Courier"/>
+              </a:rPr>
+              <a:t>0.10</a:t>
+            </a:r>
+            <a:r>
+              <a:rPr>
+                <a:latin typeface="Courier"/>
+              </a:rPr>
+              <a:t>, </a:t>
+            </a:r>
+            <a:r>
+              <a:rPr>
+                <a:solidFill>
+                  <a:srgbClr val="40A070"/>
+                </a:solidFill>
+                <a:latin typeface="Courier"/>
+              </a:rPr>
+              <a:t>0.03</a:t>
+            </a:r>
+            <a:r>
+              <a:rPr>
+                <a:latin typeface="Courier"/>
+              </a:rPr>
+              <a:t>, </a:t>
+            </a:r>
+            <a:r>
+              <a:rPr>
+                <a:solidFill>
+                  <a:srgbClr val="40A070"/>
+                </a:solidFill>
+                <a:latin typeface="Courier"/>
+              </a:rPr>
+              <a:t>0.02</a:t>
+            </a:r>
+            <a:r>
+              <a:rPr>
+                <a:latin typeface="Courier"/>
+              </a:rPr>
+              <a:t>)))</a:t>
+            </a:r>
+          </a:p>
+        </p:txBody>
+      </p:sp>
+    </p:spTree>
+  </p:cSld>
+</p:sld>
+</file>
+
+<file path=ppt/slides/slide18.xml><?xml version="1.0" encoding="utf-8"?>
+<p:sld xmlns:a="http://schemas.openxmlformats.org/drawingml/2006/main" xmlns:r="http://schemas.openxmlformats.org/officeDocument/2006/relationships" xmlns:p="http://schemas.openxmlformats.org/presentationml/2006/main">
+  <p:cSld>
+    <p:spTree>
+      <p:nvGrpSpPr>
+        <p:cNvPr id="1" name=""/>
+        <p:cNvGrpSpPr/>
+        <p:nvPr/>
+      </p:nvGrpSpPr>
+      <p:grpSpPr>
+        <a:xfrm>
+          <a:off x="0" y="0"/>
+          <a:ext cx="0" cy="0"/>
+          <a:chOff x="0" y="0"/>
+          <a:chExt cx="0" cy="0"/>
+        </a:xfrm>
+      </p:grpSpPr>
+      <p:sp>
+        <p:nvSpPr>
+          <p:cNvPr id="2" name="Title 1"/>
+          <p:cNvSpPr>
+            <a:spLocks noGrp="1"/>
+          </p:cNvSpPr>
+          <p:nvPr>
+            <p:ph type="title"/>
+          </p:nvPr>
+        </p:nvSpPr>
+        <p:spPr/>
+        <p:txBody>
+          <a:bodyPr/>
+          <a:lstStyle/>
+          <a:p>
+            <a:pPr lvl="0" marL="0" indent="0">
+              <a:buNone/>
+            </a:pPr>
+            <a:r>
+              <a:rPr/>
+              <a:t>Mostrar</a:t>
+            </a:r>
+            <a:r>
+              <a:rPr/>
+              <a:t> </a:t>
+            </a:r>
+            <a:r>
+              <a:rPr/>
+              <a:t>tabla2</a:t>
+            </a:r>
+          </a:p>
+        </p:txBody>
+      </p:sp>
+      <p:sp>
+        <p:nvSpPr>
+          <p:cNvPr id="3" name="Content Placeholder 2"/>
+          <p:cNvSpPr>
+            <a:spLocks noGrp="1"/>
+          </p:cNvSpPr>
+          <p:nvPr>
+            <p:ph idx="1"/>
+          </p:nvPr>
+        </p:nvSpPr>
+        <p:spPr/>
+        <p:txBody>
+          <a:bodyPr/>
+          <a:lstStyle/>
+          <a:p>
+            <a:pPr lvl="0" indent="0">
+              <a:buNone/>
+            </a:pPr>
+            <a:r>
+              <a:rPr>
+                <a:latin typeface="Courier"/>
+              </a:rPr>
+              <a:t>tabla2</a:t>
+            </a:r>
+          </a:p>
+          <a:p>
+            <a:pPr lvl="0" indent="0">
+              <a:buNone/>
+            </a:pPr>
+            <a:r>
+              <a:rPr>
+                <a:latin typeface="Courier"/>
+              </a:rPr>
+              <a:t>##   x prob.x prob.acum.x
+## 1 0   0.10        0.10
+## 2 1   0.20        0.30
+## 3 2   0.30        0.60
+## 4 3   0.25        0.85
+## 5 4   0.10        0.95
+## 6 5   0.03        0.98
+## 7 6   0.02        1.00</a:t>
+            </a:r>
+          </a:p>
+        </p:txBody>
+      </p:sp>
+    </p:spTree>
+  </p:cSld>
+</p:sld>
+</file>
+
+<file path=ppt/slides/slide19.xml><?xml version="1.0" encoding="utf-8"?>
+<p:sld xmlns:a="http://schemas.openxmlformats.org/drawingml/2006/main" xmlns:r="http://schemas.openxmlformats.org/officeDocument/2006/relationships" xmlns:p="http://schemas.openxmlformats.org/presentationml/2006/main">
+  <p:cSld>
+    <p:spTree>
+      <p:nvGrpSpPr>
+        <p:cNvPr id="1" name=""/>
+        <p:cNvGrpSpPr/>
+        <p:nvPr/>
+      </p:nvGrpSpPr>
+      <p:grpSpPr>
+        <a:xfrm>
+          <a:off x="0" y="0"/>
+          <a:ext cx="0" cy="0"/>
+          <a:chOff x="0" y="0"/>
+          <a:chExt cx="0" cy="0"/>
+        </a:xfrm>
+      </p:grpSpPr>
+      <p:sp>
+        <p:nvSpPr>
+          <p:cNvPr id="2" name="Title 1"/>
+          <p:cNvSpPr>
+            <a:spLocks noGrp="1"/>
+          </p:cNvSpPr>
+          <p:nvPr>
+            <p:ph type="title"/>
+          </p:nvPr>
+        </p:nvSpPr>
+        <p:spPr/>
+        <p:txBody>
+          <a:bodyPr/>
+          <a:lstStyle/>
+          <a:p>
+            <a:pPr lvl="0" marL="0" indent="0">
+              <a:buNone/>
+            </a:pPr>
+            <a:r>
+              <a:rPr/>
+              <a:t>Probabilida</a:t>
+            </a:r>
+            <a:r>
+              <a:rPr/>
+              <a:t> </a:t>
+            </a:r>
+            <a:r>
+              <a:rPr/>
+              <a:t>de</a:t>
+            </a:r>
+            <a:r>
+              <a:rPr/>
+              <a:t> </a:t>
+            </a:r>
+            <a:r>
+              <a:rPr/>
+              <a:t>que</a:t>
+            </a:r>
+            <a:r>
+              <a:rPr/>
+              <a:t> </a:t>
+            </a:r>
+            <a:r>
+              <a:rPr/>
+              <a:t>x</a:t>
+            </a:r>
+            <a:r>
+              <a:rPr/>
+              <a:t> </a:t>
+            </a:r>
+            <a:r>
+              <a:rPr/>
+              <a:t>sea</a:t>
+            </a:r>
+            <a:r>
+              <a:rPr/>
+              <a:t> </a:t>
+            </a:r>
+            <a:r>
+              <a:rPr/>
+              <a:t>menor</a:t>
+            </a:r>
+            <a:r>
+              <a:rPr/>
+              <a:t> </a:t>
+            </a:r>
+            <a:r>
+              <a:rPr/>
+              <a:t>o</a:t>
+            </a:r>
+            <a:r>
+              <a:rPr/>
+              <a:t> </a:t>
+            </a:r>
+            <a:r>
+              <a:rPr/>
+              <a:t>igual</a:t>
+            </a:r>
+            <a:r>
+              <a:rPr/>
+              <a:t> </a:t>
+            </a:r>
+            <a:r>
+              <a:rPr/>
+              <a:t>que</a:t>
+            </a:r>
+            <a:r>
+              <a:rPr/>
+              <a:t> </a:t>
+            </a:r>
+            <a:r>
+              <a:rPr/>
+              <a:t>5</a:t>
+            </a:r>
+          </a:p>
+        </p:txBody>
+      </p:sp>
+      <p:sp>
+        <p:nvSpPr>
+          <p:cNvPr id="3" name="Content Placeholder 2"/>
+          <p:cNvSpPr>
+            <a:spLocks noGrp="1"/>
+          </p:cNvSpPr>
+          <p:nvPr>
+            <p:ph idx="1"/>
+          </p:nvPr>
+        </p:nvSpPr>
+        <p:spPr/>
+        <p:txBody>
+          <a:bodyPr/>
+          <a:lstStyle/>
+          <a:p>
+            <a:pPr lvl="0" indent="0">
+              <a:buNone/>
+            </a:pPr>
+            <a:r>
+              <a:rPr>
+                <a:solidFill>
+                  <a:srgbClr val="06287E"/>
+                </a:solidFill>
+                <a:latin typeface="Courier"/>
+              </a:rPr>
+              <a:t>f.prob.acum.x</a:t>
+            </a:r>
+            <a:r>
+              <a:rPr>
+                <a:latin typeface="Courier"/>
+              </a:rPr>
+              <a:t>(</a:t>
+            </a:r>
+            <a:r>
+              <a:rPr>
+                <a:solidFill>
+                  <a:srgbClr val="7D9029"/>
+                </a:solidFill>
+                <a:latin typeface="Courier"/>
+              </a:rPr>
+              <a:t>tabla =</a:t>
+            </a:r>
+            <a:r>
+              <a:rPr>
+                <a:latin typeface="Courier"/>
+              </a:rPr>
+              <a:t> tabla2, </a:t>
+            </a:r>
+            <a:r>
+              <a:rPr>
+                <a:solidFill>
+                  <a:srgbClr val="7D9029"/>
+                </a:solidFill>
+                <a:latin typeface="Courier"/>
+              </a:rPr>
+              <a:t>x =</a:t>
+            </a:r>
+            <a:r>
+              <a:rPr>
+                <a:latin typeface="Courier"/>
+              </a:rPr>
+              <a:t> </a:t>
+            </a:r>
+            <a:r>
+              <a:rPr>
+                <a:solidFill>
+                  <a:srgbClr val="40A070"/>
+                </a:solidFill>
+                <a:latin typeface="Courier"/>
+              </a:rPr>
+              <a:t>5</a:t>
+            </a:r>
+            <a:r>
+              <a:rPr>
+                <a:latin typeface="Courier"/>
+              </a:rPr>
+              <a:t>, </a:t>
+            </a:r>
+            <a:r>
+              <a:rPr>
+                <a:solidFill>
+                  <a:srgbClr val="40A070"/>
+                </a:solidFill>
+                <a:latin typeface="Courier"/>
+              </a:rPr>
+              <a:t>1</a:t>
+            </a:r>
+            <a:r>
+              <a:rPr>
+                <a:latin typeface="Courier"/>
+              </a:rPr>
+              <a:t>)</a:t>
+            </a:r>
+          </a:p>
+          <a:p>
+            <a:pPr lvl="0" indent="0">
+              <a:buNone/>
+            </a:pPr>
+            <a:r>
+              <a:rPr>
+                <a:latin typeface="Courier"/>
+              </a:rPr>
+              <a:t>## [1] "98 %"</a:t>
+            </a:r>
+          </a:p>
+        </p:txBody>
+      </p:sp>
     </p:spTree>
   </p:cSld>
 </p:sld>
@@ -7428,7 +8256,7 @@
               <a:rPr>
                 <a:latin typeface="Courier"/>
               </a:rPr>
-              <a:t>(x) {</a:t>
+              <a:t>(tabla, x) {</a:t>
             </a:r>
             <a:br/>
             <a:r>
@@ -7742,7 +8570,7 @@
               <a:rPr>
                 <a:latin typeface="Courier"/>
               </a:rPr>
-              <a:t>(</a:t>
+              <a:t>(tabla, </a:t>
             </a:r>
             <a:r>
               <a:rPr>
@@ -7953,7 +8781,7 @@
               <a:rPr>
                 <a:latin typeface="Courier"/>
               </a:rPr>
-              <a:t>(</a:t>
+              <a:t>(tabla, </a:t>
             </a:r>
             <a:r>
               <a:rPr>
